--- a/Documents/New IOF Data Standard.pptx
+++ b/Documents/New IOF Data Standard.pptx
@@ -12,6 +12,11 @@
     <p:sldId id="260" r:id="rId6"/>
     <p:sldId id="262" r:id="rId7"/>
     <p:sldId id="261" r:id="rId8"/>
+    <p:sldId id="264" r:id="rId9"/>
+    <p:sldId id="265" r:id="rId10"/>
+    <p:sldId id="266" r:id="rId11"/>
+    <p:sldId id="267" r:id="rId12"/>
+    <p:sldId id="268" r:id="rId13"/>
   </p:sldIdLst>
   <p:sldSz cx="9144000" cy="6858000" type="screen4x3"/>
   <p:notesSz cx="6858000" cy="9144000"/>
@@ -294,7 +299,7 @@
           <a:p>
             <a:fld id="{10B74D5F-EBF8-454F-82FC-19F72C8A5458}" type="datetimeFigureOut">
               <a:rPr lang="sv-SE" smtClean="0"/>
-              <a:t>2012-07-13</a:t>
+              <a:t>2012-07-18</a:t>
             </a:fld>
             <a:endParaRPr lang="sv-SE"/>
           </a:p>
@@ -464,7 +469,7 @@
           <a:p>
             <a:fld id="{10B74D5F-EBF8-454F-82FC-19F72C8A5458}" type="datetimeFigureOut">
               <a:rPr lang="sv-SE" smtClean="0"/>
-              <a:t>2012-07-13</a:t>
+              <a:t>2012-07-18</a:t>
             </a:fld>
             <a:endParaRPr lang="sv-SE"/>
           </a:p>
@@ -644,7 +649,7 @@
           <a:p>
             <a:fld id="{10B74D5F-EBF8-454F-82FC-19F72C8A5458}" type="datetimeFigureOut">
               <a:rPr lang="sv-SE" smtClean="0"/>
-              <a:t>2012-07-13</a:t>
+              <a:t>2012-07-18</a:t>
             </a:fld>
             <a:endParaRPr lang="sv-SE"/>
           </a:p>
@@ -814,7 +819,7 @@
           <a:p>
             <a:fld id="{10B74D5F-EBF8-454F-82FC-19F72C8A5458}" type="datetimeFigureOut">
               <a:rPr lang="sv-SE" smtClean="0"/>
-              <a:t>2012-07-13</a:t>
+              <a:t>2012-07-18</a:t>
             </a:fld>
             <a:endParaRPr lang="sv-SE"/>
           </a:p>
@@ -1060,7 +1065,7 @@
           <a:p>
             <a:fld id="{10B74D5F-EBF8-454F-82FC-19F72C8A5458}" type="datetimeFigureOut">
               <a:rPr lang="sv-SE" smtClean="0"/>
-              <a:t>2012-07-13</a:t>
+              <a:t>2012-07-18</a:t>
             </a:fld>
             <a:endParaRPr lang="sv-SE"/>
           </a:p>
@@ -1348,7 +1353,7 @@
           <a:p>
             <a:fld id="{10B74D5F-EBF8-454F-82FC-19F72C8A5458}" type="datetimeFigureOut">
               <a:rPr lang="sv-SE" smtClean="0"/>
-              <a:t>2012-07-13</a:t>
+              <a:t>2012-07-18</a:t>
             </a:fld>
             <a:endParaRPr lang="sv-SE"/>
           </a:p>
@@ -1770,7 +1775,7 @@
           <a:p>
             <a:fld id="{10B74D5F-EBF8-454F-82FC-19F72C8A5458}" type="datetimeFigureOut">
               <a:rPr lang="sv-SE" smtClean="0"/>
-              <a:t>2012-07-13</a:t>
+              <a:t>2012-07-18</a:t>
             </a:fld>
             <a:endParaRPr lang="sv-SE"/>
           </a:p>
@@ -1888,7 +1893,7 @@
           <a:p>
             <a:fld id="{10B74D5F-EBF8-454F-82FC-19F72C8A5458}" type="datetimeFigureOut">
               <a:rPr lang="sv-SE" smtClean="0"/>
-              <a:t>2012-07-13</a:t>
+              <a:t>2012-07-18</a:t>
             </a:fld>
             <a:endParaRPr lang="sv-SE"/>
           </a:p>
@@ -1983,7 +1988,7 @@
           <a:p>
             <a:fld id="{10B74D5F-EBF8-454F-82FC-19F72C8A5458}" type="datetimeFigureOut">
               <a:rPr lang="sv-SE" smtClean="0"/>
-              <a:t>2012-07-13</a:t>
+              <a:t>2012-07-18</a:t>
             </a:fld>
             <a:endParaRPr lang="sv-SE"/>
           </a:p>
@@ -2260,7 +2265,7 @@
           <a:p>
             <a:fld id="{10B74D5F-EBF8-454F-82FC-19F72C8A5458}" type="datetimeFigureOut">
               <a:rPr lang="sv-SE" smtClean="0"/>
-              <a:t>2012-07-13</a:t>
+              <a:t>2012-07-18</a:t>
             </a:fld>
             <a:endParaRPr lang="sv-SE"/>
           </a:p>
@@ -2513,7 +2518,7 @@
           <a:p>
             <a:fld id="{10B74D5F-EBF8-454F-82FC-19F72C8A5458}" type="datetimeFigureOut">
               <a:rPr lang="sv-SE" smtClean="0"/>
-              <a:t>2012-07-13</a:t>
+              <a:t>2012-07-18</a:t>
             </a:fld>
             <a:endParaRPr lang="sv-SE"/>
           </a:p>
@@ -2726,7 +2731,7 @@
           <a:p>
             <a:fld id="{10B74D5F-EBF8-454F-82FC-19F72C8A5458}" type="datetimeFigureOut">
               <a:rPr lang="sv-SE" smtClean="0"/>
-              <a:t>2012-07-13</a:t>
+              <a:t>2012-07-18</a:t>
             </a:fld>
             <a:endParaRPr lang="sv-SE"/>
           </a:p>
@@ -3142,6 +3147,441 @@
 </p:sld>
 </file>
 
+<file path=ppt/slides/slide10.xml><?xml version="1.0" encoding="utf-8"?>
+<p:sld xmlns:a="http://schemas.openxmlformats.org/drawingml/2006/main" xmlns:r="http://schemas.openxmlformats.org/officeDocument/2006/relationships" xmlns:p="http://schemas.openxmlformats.org/presentationml/2006/main">
+  <p:cSld>
+    <p:spTree>
+      <p:nvGrpSpPr>
+        <p:cNvPr id="1" name=""/>
+        <p:cNvGrpSpPr/>
+        <p:nvPr/>
+      </p:nvGrpSpPr>
+      <p:grpSpPr>
+        <a:xfrm>
+          <a:off x="0" y="0"/>
+          <a:ext cx="0" cy="0"/>
+          <a:chOff x="0" y="0"/>
+          <a:chExt cx="0" cy="0"/>
+        </a:xfrm>
+      </p:grpSpPr>
+      <p:sp>
+        <p:nvSpPr>
+          <p:cNvPr id="2" name="Rubrik 1"/>
+          <p:cNvSpPr>
+            <a:spLocks noGrp="1"/>
+          </p:cNvSpPr>
+          <p:nvPr>
+            <p:ph type="title"/>
+          </p:nvPr>
+        </p:nvSpPr>
+        <p:spPr/>
+        <p:txBody>
+          <a:bodyPr/>
+          <a:lstStyle/>
+          <a:p>
+            <a:r>
+              <a:rPr lang="sv-SE" dirty="0"/>
+              <a:t>New data </a:t>
+            </a:r>
+            <a:r>
+              <a:rPr lang="sv-SE" dirty="0" smtClean="0"/>
+              <a:t>standard: </a:t>
+            </a:r>
+            <a:r>
+              <a:rPr lang="sv-SE" dirty="0" err="1" smtClean="0"/>
+              <a:t>improvements</a:t>
+            </a:r>
+            <a:endParaRPr lang="sv-SE" dirty="0"/>
+          </a:p>
+        </p:txBody>
+      </p:sp>
+      <p:sp>
+        <p:nvSpPr>
+          <p:cNvPr id="3" name="Platshållare för innehåll 2"/>
+          <p:cNvSpPr>
+            <a:spLocks noGrp="1"/>
+          </p:cNvSpPr>
+          <p:nvPr>
+            <p:ph idx="1"/>
+          </p:nvPr>
+        </p:nvSpPr>
+        <p:spPr>
+          <a:xfrm>
+            <a:off x="457200" y="1600200"/>
+            <a:ext cx="8229600" cy="4997152"/>
+          </a:xfrm>
+        </p:spPr>
+        <p:txBody>
+          <a:bodyPr>
+            <a:normAutofit/>
+          </a:bodyPr>
+          <a:lstStyle/>
+          <a:p>
+            <a:r>
+              <a:rPr lang="en-US" dirty="0"/>
+              <a:t>Support for club </a:t>
+            </a:r>
+            <a:r>
+              <a:rPr lang="en-US" dirty="0" smtClean="0"/>
+              <a:t>logotypes</a:t>
+            </a:r>
+          </a:p>
+          <a:p>
+            <a:r>
+              <a:rPr lang="en-US" dirty="0"/>
+              <a:t>Improved entry fee support </a:t>
+            </a:r>
+            <a:endParaRPr lang="en-US" dirty="0" smtClean="0"/>
+          </a:p>
+          <a:p>
+            <a:pPr lvl="1"/>
+            <a:r>
+              <a:rPr lang="en-US" dirty="0" smtClean="0"/>
+              <a:t>fees </a:t>
+            </a:r>
+            <a:r>
+              <a:rPr lang="en-US" dirty="0"/>
+              <a:t>depending on entry time </a:t>
+            </a:r>
+            <a:r>
+              <a:rPr lang="en-US" dirty="0" smtClean="0"/>
+              <a:t>and/or competitor age</a:t>
+            </a:r>
+          </a:p>
+          <a:p>
+            <a:pPr lvl="1"/>
+            <a:r>
+              <a:rPr lang="en-US" dirty="0" smtClean="0"/>
+              <a:t>fees </a:t>
+            </a:r>
+            <a:r>
+              <a:rPr lang="en-US" dirty="0"/>
+              <a:t>for extra competitors in a </a:t>
+            </a:r>
+            <a:r>
+              <a:rPr lang="en-US" dirty="0" smtClean="0"/>
+              <a:t>team</a:t>
+            </a:r>
+          </a:p>
+          <a:p>
+            <a:r>
+              <a:rPr lang="en-US" dirty="0" smtClean="0"/>
+              <a:t>Support </a:t>
+            </a:r>
+            <a:r>
+              <a:rPr lang="en-US" dirty="0"/>
+              <a:t>for </a:t>
+            </a:r>
+            <a:r>
+              <a:rPr lang="en-US" dirty="0" err="1"/>
+              <a:t>rogaining</a:t>
+            </a:r>
+            <a:r>
+              <a:rPr lang="en-US" dirty="0"/>
+              <a:t>-style events (control scores</a:t>
+            </a:r>
+            <a:r>
+              <a:rPr lang="en-US" dirty="0" smtClean="0"/>
+              <a:t>)	</a:t>
+            </a:r>
+            <a:endParaRPr lang="sv-SE" dirty="0"/>
+          </a:p>
+        </p:txBody>
+      </p:sp>
+    </p:spTree>
+    <p:extLst>
+      <p:ext uri="{BB962C8B-B14F-4D97-AF65-F5344CB8AC3E}">
+        <p14:creationId xmlns:p14="http://schemas.microsoft.com/office/powerpoint/2010/main" val="1979393790"/>
+      </p:ext>
+    </p:extLst>
+  </p:cSld>
+  <p:clrMapOvr>
+    <a:masterClrMapping/>
+  </p:clrMapOvr>
+</p:sld>
+</file>
+
+<file path=ppt/slides/slide11.xml><?xml version="1.0" encoding="utf-8"?>
+<p:sld xmlns:a="http://schemas.openxmlformats.org/drawingml/2006/main" xmlns:r="http://schemas.openxmlformats.org/officeDocument/2006/relationships" xmlns:p="http://schemas.openxmlformats.org/presentationml/2006/main">
+  <p:cSld>
+    <p:spTree>
+      <p:nvGrpSpPr>
+        <p:cNvPr id="1" name=""/>
+        <p:cNvGrpSpPr/>
+        <p:nvPr/>
+      </p:nvGrpSpPr>
+      <p:grpSpPr>
+        <a:xfrm>
+          <a:off x="0" y="0"/>
+          <a:ext cx="0" cy="0"/>
+          <a:chOff x="0" y="0"/>
+          <a:chExt cx="0" cy="0"/>
+        </a:xfrm>
+      </p:grpSpPr>
+      <p:sp>
+        <p:nvSpPr>
+          <p:cNvPr id="2" name="Rubrik 1"/>
+          <p:cNvSpPr>
+            <a:spLocks noGrp="1"/>
+          </p:cNvSpPr>
+          <p:nvPr>
+            <p:ph type="title"/>
+          </p:nvPr>
+        </p:nvSpPr>
+        <p:spPr/>
+        <p:txBody>
+          <a:bodyPr/>
+          <a:lstStyle/>
+          <a:p>
+            <a:r>
+              <a:rPr lang="sv-SE" dirty="0"/>
+              <a:t>New data </a:t>
+            </a:r>
+            <a:r>
+              <a:rPr lang="sv-SE" dirty="0" smtClean="0"/>
+              <a:t>standard: </a:t>
+            </a:r>
+            <a:r>
+              <a:rPr lang="sv-SE" dirty="0" err="1" smtClean="0"/>
+              <a:t>improvements</a:t>
+            </a:r>
+            <a:endParaRPr lang="sv-SE" dirty="0"/>
+          </a:p>
+        </p:txBody>
+      </p:sp>
+      <p:sp>
+        <p:nvSpPr>
+          <p:cNvPr id="3" name="Platshållare för innehåll 2"/>
+          <p:cNvSpPr>
+            <a:spLocks noGrp="1"/>
+          </p:cNvSpPr>
+          <p:nvPr>
+            <p:ph idx="1"/>
+          </p:nvPr>
+        </p:nvSpPr>
+        <p:spPr>
+          <a:xfrm>
+            <a:off x="457200" y="1600200"/>
+            <a:ext cx="8229600" cy="4997152"/>
+          </a:xfrm>
+        </p:spPr>
+        <p:txBody>
+          <a:bodyPr>
+            <a:normAutofit/>
+          </a:bodyPr>
+          <a:lstStyle/>
+          <a:p>
+            <a:r>
+              <a:rPr lang="en-US" dirty="0"/>
+              <a:t>Improved support for team/relay </a:t>
+            </a:r>
+            <a:r>
+              <a:rPr lang="en-US" dirty="0" smtClean="0"/>
+              <a:t>events</a:t>
+            </a:r>
+          </a:p>
+          <a:p>
+            <a:pPr lvl="1"/>
+            <a:r>
+              <a:rPr lang="en-US" dirty="0" smtClean="0"/>
+              <a:t>variable </a:t>
+            </a:r>
+            <a:r>
+              <a:rPr lang="en-US" dirty="0"/>
+              <a:t>number of members in a team, </a:t>
+            </a:r>
+            <a:endParaRPr lang="en-US" dirty="0" smtClean="0"/>
+          </a:p>
+          <a:p>
+            <a:pPr lvl="1"/>
+            <a:r>
+              <a:rPr lang="en-US" dirty="0" smtClean="0"/>
+              <a:t>variable </a:t>
+            </a:r>
+            <a:r>
+              <a:rPr lang="en-US" dirty="0"/>
+              <a:t>number of competitors per relay </a:t>
+            </a:r>
+            <a:r>
+              <a:rPr lang="en-US" dirty="0" smtClean="0"/>
+              <a:t>leg</a:t>
+            </a:r>
+          </a:p>
+          <a:p>
+            <a:pPr lvl="1"/>
+            <a:r>
+              <a:rPr lang="en-US" dirty="0" smtClean="0"/>
+              <a:t>a </a:t>
+            </a:r>
+            <a:r>
+              <a:rPr lang="en-US" dirty="0"/>
+              <a:t>team may belong to several </a:t>
+            </a:r>
+            <a:r>
+              <a:rPr lang="en-US" dirty="0" smtClean="0"/>
+              <a:t>clubs</a:t>
+            </a:r>
+          </a:p>
+          <a:p>
+            <a:pPr lvl="1"/>
+            <a:r>
+              <a:rPr lang="en-US" dirty="0" smtClean="0"/>
+              <a:t>results </a:t>
+            </a:r>
+            <a:r>
+              <a:rPr lang="en-US" dirty="0"/>
+              <a:t>per relay course, per relay leg and after each relay </a:t>
+            </a:r>
+            <a:r>
+              <a:rPr lang="en-US" dirty="0" smtClean="0"/>
+              <a:t>leg</a:t>
+            </a:r>
+          </a:p>
+          <a:p>
+            <a:r>
+              <a:rPr lang="en-US" dirty="0"/>
+              <a:t>Support for race and overall results in the same file for multi-race </a:t>
+            </a:r>
+            <a:r>
+              <a:rPr lang="en-US" dirty="0" smtClean="0"/>
+              <a:t>events</a:t>
+            </a:r>
+          </a:p>
+          <a:p>
+            <a:r>
+              <a:rPr lang="en-US" dirty="0"/>
+              <a:t>Support for Trail-O results</a:t>
+            </a:r>
+            <a:endParaRPr lang="en-US" dirty="0" smtClean="0"/>
+          </a:p>
+        </p:txBody>
+      </p:sp>
+    </p:spTree>
+    <p:extLst>
+      <p:ext uri="{BB962C8B-B14F-4D97-AF65-F5344CB8AC3E}">
+        <p14:creationId xmlns:p14="http://schemas.microsoft.com/office/powerpoint/2010/main" val="1032601763"/>
+      </p:ext>
+    </p:extLst>
+  </p:cSld>
+  <p:clrMapOvr>
+    <a:masterClrMapping/>
+  </p:clrMapOvr>
+</p:sld>
+</file>
+
+<file path=ppt/slides/slide12.xml><?xml version="1.0" encoding="utf-8"?>
+<p:sld xmlns:a="http://schemas.openxmlformats.org/drawingml/2006/main" xmlns:r="http://schemas.openxmlformats.org/officeDocument/2006/relationships" xmlns:p="http://schemas.openxmlformats.org/presentationml/2006/main">
+  <p:cSld>
+    <p:spTree>
+      <p:nvGrpSpPr>
+        <p:cNvPr id="1" name=""/>
+        <p:cNvGrpSpPr/>
+        <p:nvPr/>
+      </p:nvGrpSpPr>
+      <p:grpSpPr>
+        <a:xfrm>
+          <a:off x="0" y="0"/>
+          <a:ext cx="0" cy="0"/>
+          <a:chOff x="0" y="0"/>
+          <a:chExt cx="0" cy="0"/>
+        </a:xfrm>
+      </p:grpSpPr>
+      <p:sp>
+        <p:nvSpPr>
+          <p:cNvPr id="2" name="Rubrik 1"/>
+          <p:cNvSpPr>
+            <a:spLocks noGrp="1"/>
+          </p:cNvSpPr>
+          <p:nvPr>
+            <p:ph type="title"/>
+          </p:nvPr>
+        </p:nvSpPr>
+        <p:spPr/>
+        <p:txBody>
+          <a:bodyPr/>
+          <a:lstStyle/>
+          <a:p>
+            <a:r>
+              <a:rPr lang="sv-SE" dirty="0"/>
+              <a:t>New data </a:t>
+            </a:r>
+            <a:r>
+              <a:rPr lang="sv-SE" dirty="0" smtClean="0"/>
+              <a:t>standard: </a:t>
+            </a:r>
+            <a:r>
+              <a:rPr lang="sv-SE" dirty="0" err="1" smtClean="0"/>
+              <a:t>improvements</a:t>
+            </a:r>
+            <a:endParaRPr lang="sv-SE" dirty="0"/>
+          </a:p>
+        </p:txBody>
+      </p:sp>
+      <p:sp>
+        <p:nvSpPr>
+          <p:cNvPr id="3" name="Platshållare för innehåll 2"/>
+          <p:cNvSpPr>
+            <a:spLocks noGrp="1"/>
+          </p:cNvSpPr>
+          <p:nvPr>
+            <p:ph idx="1"/>
+          </p:nvPr>
+        </p:nvSpPr>
+        <p:spPr>
+          <a:xfrm>
+            <a:off x="457200" y="1600200"/>
+            <a:ext cx="8229600" cy="4997152"/>
+          </a:xfrm>
+        </p:spPr>
+        <p:txBody>
+          <a:bodyPr>
+            <a:normAutofit/>
+          </a:bodyPr>
+          <a:lstStyle/>
+          <a:p>
+            <a:r>
+              <a:rPr lang="en-US" dirty="0"/>
+              <a:t>Improved support and documentation for split </a:t>
+            </a:r>
+            <a:r>
+              <a:rPr lang="en-US" dirty="0" smtClean="0"/>
+              <a:t>times</a:t>
+            </a:r>
+          </a:p>
+          <a:p>
+            <a:pPr lvl="1"/>
+            <a:r>
+              <a:rPr lang="en-US" dirty="0" smtClean="0"/>
+              <a:t>how </a:t>
+            </a:r>
+            <a:r>
+              <a:rPr lang="en-US" dirty="0"/>
+              <a:t>to handle failing control units </a:t>
+            </a:r>
+            <a:endParaRPr lang="en-US" dirty="0" smtClean="0"/>
+          </a:p>
+          <a:p>
+            <a:pPr lvl="1"/>
+            <a:r>
+              <a:rPr lang="en-US" dirty="0" smtClean="0"/>
+              <a:t>additional punches</a:t>
+            </a:r>
+          </a:p>
+        </p:txBody>
+      </p:sp>
+    </p:spTree>
+    <p:extLst>
+      <p:ext uri="{BB962C8B-B14F-4D97-AF65-F5344CB8AC3E}">
+        <p14:creationId xmlns:p14="http://schemas.microsoft.com/office/powerpoint/2010/main" val="3841670939"/>
+      </p:ext>
+    </p:extLst>
+  </p:cSld>
+  <p:clrMapOvr>
+    <a:masterClrMapping/>
+  </p:clrMapOvr>
+</p:sld>
+</file>
+
 <file path=ppt/slides/slide2.xml><?xml version="1.0" encoding="utf-8"?>
 <p:sld xmlns:a="http://schemas.openxmlformats.org/drawingml/2006/main" xmlns:r="http://schemas.openxmlformats.org/officeDocument/2006/relationships" xmlns:p="http://schemas.openxmlformats.org/presentationml/2006/main">
   <p:cSld>
@@ -3468,7 +3908,26 @@
           <a:p>
             <a:r>
               <a:rPr lang="sv-SE" dirty="0" smtClean="0"/>
-              <a:t>Expressed as a </a:t>
+              <a:t>XML-</a:t>
+            </a:r>
+            <a:r>
+              <a:rPr lang="sv-SE" dirty="0" err="1" smtClean="0"/>
+              <a:t>based</a:t>
+            </a:r>
+            <a:endParaRPr lang="sv-SE" dirty="0" smtClean="0"/>
+          </a:p>
+          <a:p>
+            <a:r>
+              <a:rPr lang="sv-SE" dirty="0" err="1" smtClean="0"/>
+              <a:t>Structure</a:t>
+            </a:r>
+            <a:r>
+              <a:rPr lang="sv-SE" dirty="0" smtClean="0"/>
+              <a:t> expressed </a:t>
+            </a:r>
+            <a:r>
+              <a:rPr lang="sv-SE" dirty="0" smtClean="0"/>
+              <a:t>as a </a:t>
             </a:r>
             <a:r>
               <a:rPr lang="sv-SE" dirty="0" err="1" smtClean="0"/>
@@ -4081,12 +4540,12 @@
           </a:p>
           <a:p>
             <a:r>
-              <a:rPr lang="sv-SE" dirty="0" err="1" smtClean="0"/>
-              <a:t>Based</a:t>
-            </a:r>
-            <a:r>
-              <a:rPr lang="sv-SE" dirty="0" smtClean="0"/>
-              <a:t> on an XML Schema (XSD </a:t>
+              <a:rPr lang="sv-SE" dirty="0" smtClean="0"/>
+              <a:t>Expressed as an </a:t>
+            </a:r>
+            <a:r>
+              <a:rPr lang="sv-SE" dirty="0" smtClean="0"/>
+              <a:t>XML Schema (XSD </a:t>
             </a:r>
             <a:r>
               <a:rPr lang="sv-SE" dirty="0" err="1" smtClean="0"/>
@@ -4488,6 +4947,355 @@
     <p:extLst>
       <p:ext uri="{BB962C8B-B14F-4D97-AF65-F5344CB8AC3E}">
         <p14:creationId xmlns:p14="http://schemas.microsoft.com/office/powerpoint/2010/main" val="1285964926"/>
+      </p:ext>
+    </p:extLst>
+  </p:cSld>
+  <p:clrMapOvr>
+    <a:masterClrMapping/>
+  </p:clrMapOvr>
+</p:sld>
+</file>
+
+<file path=ppt/slides/slide8.xml><?xml version="1.0" encoding="utf-8"?>
+<p:sld xmlns:a="http://schemas.openxmlformats.org/drawingml/2006/main" xmlns:r="http://schemas.openxmlformats.org/officeDocument/2006/relationships" xmlns:p="http://schemas.openxmlformats.org/presentationml/2006/main">
+  <p:cSld>
+    <p:spTree>
+      <p:nvGrpSpPr>
+        <p:cNvPr id="1" name=""/>
+        <p:cNvGrpSpPr/>
+        <p:nvPr/>
+      </p:nvGrpSpPr>
+      <p:grpSpPr>
+        <a:xfrm>
+          <a:off x="0" y="0"/>
+          <a:ext cx="0" cy="0"/>
+          <a:chOff x="0" y="0"/>
+          <a:chExt cx="0" cy="0"/>
+        </a:xfrm>
+      </p:grpSpPr>
+      <p:sp>
+        <p:nvSpPr>
+          <p:cNvPr id="2" name="Rubrik 1"/>
+          <p:cNvSpPr>
+            <a:spLocks noGrp="1"/>
+          </p:cNvSpPr>
+          <p:nvPr>
+            <p:ph type="title"/>
+          </p:nvPr>
+        </p:nvSpPr>
+        <p:spPr/>
+        <p:txBody>
+          <a:bodyPr/>
+          <a:lstStyle/>
+          <a:p>
+            <a:r>
+              <a:rPr lang="sv-SE" dirty="0"/>
+              <a:t>New data </a:t>
+            </a:r>
+            <a:r>
+              <a:rPr lang="sv-SE" dirty="0" smtClean="0"/>
+              <a:t>standard: </a:t>
+            </a:r>
+            <a:r>
+              <a:rPr lang="sv-SE" dirty="0" err="1" smtClean="0"/>
+              <a:t>improvements</a:t>
+            </a:r>
+            <a:endParaRPr lang="sv-SE" dirty="0"/>
+          </a:p>
+        </p:txBody>
+      </p:sp>
+      <p:sp>
+        <p:nvSpPr>
+          <p:cNvPr id="3" name="Platshållare för innehåll 2"/>
+          <p:cNvSpPr>
+            <a:spLocks noGrp="1"/>
+          </p:cNvSpPr>
+          <p:nvPr>
+            <p:ph idx="1"/>
+          </p:nvPr>
+        </p:nvSpPr>
+        <p:spPr>
+          <a:xfrm>
+            <a:off x="457200" y="1600200"/>
+            <a:ext cx="8229600" cy="4997152"/>
+          </a:xfrm>
+        </p:spPr>
+        <p:txBody>
+          <a:bodyPr>
+            <a:normAutofit lnSpcReduction="10000"/>
+          </a:bodyPr>
+          <a:lstStyle/>
+          <a:p>
+            <a:r>
+              <a:rPr lang="en-US" dirty="0"/>
+              <a:t>Support for control card lists (to keep track of rental cards)</a:t>
+            </a:r>
+          </a:p>
+          <a:p>
+            <a:r>
+              <a:rPr lang="en-US" dirty="0"/>
+              <a:t>Usage of standardized data types </a:t>
+            </a:r>
+            <a:endParaRPr lang="en-US" dirty="0" smtClean="0"/>
+          </a:p>
+          <a:p>
+            <a:pPr lvl="1"/>
+            <a:r>
+              <a:rPr lang="en-US" dirty="0" smtClean="0"/>
+              <a:t>ISO </a:t>
+            </a:r>
+            <a:r>
+              <a:rPr lang="en-US" dirty="0" err="1" smtClean="0"/>
+              <a:t>datetimes</a:t>
+            </a:r>
+            <a:endParaRPr lang="en-US" dirty="0" smtClean="0"/>
+          </a:p>
+          <a:p>
+            <a:pPr lvl="1"/>
+            <a:r>
+              <a:rPr lang="en-US" dirty="0" smtClean="0"/>
+              <a:t>total </a:t>
+            </a:r>
+            <a:r>
+              <a:rPr lang="en-US" dirty="0"/>
+              <a:t>seconds instead of </a:t>
+            </a:r>
+            <a:r>
+              <a:rPr lang="en-US" dirty="0" err="1" smtClean="0"/>
+              <a:t>hh:mm</a:t>
+            </a:r>
+            <a:r>
+              <a:rPr lang="en-US" dirty="0" smtClean="0"/>
+              <a:t> </a:t>
+            </a:r>
+            <a:r>
+              <a:rPr lang="en-US" dirty="0"/>
+              <a:t>for elapsed </a:t>
+            </a:r>
+            <a:r>
+              <a:rPr lang="en-US" dirty="0" smtClean="0"/>
+              <a:t>times</a:t>
+            </a:r>
+          </a:p>
+          <a:p>
+            <a:r>
+              <a:rPr lang="en-US" dirty="0"/>
+              <a:t>Improved data structure for contact details to persons and </a:t>
+            </a:r>
+            <a:r>
+              <a:rPr lang="en-US" dirty="0" smtClean="0"/>
+              <a:t>clubs</a:t>
+            </a:r>
+          </a:p>
+          <a:p>
+            <a:pPr lvl="1"/>
+            <a:r>
+              <a:rPr lang="en-US" dirty="0" smtClean="0"/>
+              <a:t>email address</a:t>
+            </a:r>
+          </a:p>
+          <a:p>
+            <a:pPr lvl="1"/>
+            <a:r>
+              <a:rPr lang="en-US" dirty="0" smtClean="0"/>
+              <a:t>physical address </a:t>
+            </a:r>
+          </a:p>
+          <a:p>
+            <a:pPr lvl="1"/>
+            <a:r>
+              <a:rPr lang="en-US" dirty="0" smtClean="0"/>
+              <a:t>websites</a:t>
+            </a:r>
+          </a:p>
+          <a:p>
+            <a:pPr lvl="1"/>
+            <a:endParaRPr lang="sv-SE" dirty="0"/>
+          </a:p>
+        </p:txBody>
+      </p:sp>
+    </p:spTree>
+    <p:extLst>
+      <p:ext uri="{BB962C8B-B14F-4D97-AF65-F5344CB8AC3E}">
+        <p14:creationId xmlns:p14="http://schemas.microsoft.com/office/powerpoint/2010/main" val="1362191881"/>
+      </p:ext>
+    </p:extLst>
+  </p:cSld>
+  <p:clrMapOvr>
+    <a:masterClrMapping/>
+  </p:clrMapOvr>
+</p:sld>
+</file>
+
+<file path=ppt/slides/slide9.xml><?xml version="1.0" encoding="utf-8"?>
+<p:sld xmlns:a="http://schemas.openxmlformats.org/drawingml/2006/main" xmlns:r="http://schemas.openxmlformats.org/officeDocument/2006/relationships" xmlns:p="http://schemas.openxmlformats.org/presentationml/2006/main">
+  <p:cSld>
+    <p:spTree>
+      <p:nvGrpSpPr>
+        <p:cNvPr id="1" name=""/>
+        <p:cNvGrpSpPr/>
+        <p:nvPr/>
+      </p:nvGrpSpPr>
+      <p:grpSpPr>
+        <a:xfrm>
+          <a:off x="0" y="0"/>
+          <a:ext cx="0" cy="0"/>
+          <a:chOff x="0" y="0"/>
+          <a:chExt cx="0" cy="0"/>
+        </a:xfrm>
+      </p:grpSpPr>
+      <p:sp>
+        <p:nvSpPr>
+          <p:cNvPr id="2" name="Rubrik 1"/>
+          <p:cNvSpPr>
+            <a:spLocks noGrp="1"/>
+          </p:cNvSpPr>
+          <p:nvPr>
+            <p:ph type="title"/>
+          </p:nvPr>
+        </p:nvSpPr>
+        <p:spPr/>
+        <p:txBody>
+          <a:bodyPr/>
+          <a:lstStyle/>
+          <a:p>
+            <a:r>
+              <a:rPr lang="sv-SE" dirty="0"/>
+              <a:t>New data </a:t>
+            </a:r>
+            <a:r>
+              <a:rPr lang="sv-SE" dirty="0" smtClean="0"/>
+              <a:t>standard: </a:t>
+            </a:r>
+            <a:r>
+              <a:rPr lang="sv-SE" dirty="0" err="1" smtClean="0"/>
+              <a:t>improvements</a:t>
+            </a:r>
+            <a:endParaRPr lang="sv-SE" dirty="0"/>
+          </a:p>
+        </p:txBody>
+      </p:sp>
+      <p:sp>
+        <p:nvSpPr>
+          <p:cNvPr id="3" name="Platshållare för innehåll 2"/>
+          <p:cNvSpPr>
+            <a:spLocks noGrp="1"/>
+          </p:cNvSpPr>
+          <p:nvPr>
+            <p:ph idx="1"/>
+          </p:nvPr>
+        </p:nvSpPr>
+        <p:spPr>
+          <a:xfrm>
+            <a:off x="457200" y="1600200"/>
+            <a:ext cx="8363272" cy="4997152"/>
+          </a:xfrm>
+        </p:spPr>
+        <p:txBody>
+          <a:bodyPr>
+            <a:normAutofit fontScale="92500"/>
+          </a:bodyPr>
+          <a:lstStyle/>
+          <a:p>
+            <a:r>
+              <a:rPr lang="en-US" dirty="0"/>
+              <a:t>Support for geographical locations (i.e. latitude and longitude) for events and </a:t>
+            </a:r>
+            <a:r>
+              <a:rPr lang="en-US" dirty="0" smtClean="0"/>
+              <a:t>clubs</a:t>
+            </a:r>
+            <a:endParaRPr lang="en-US" dirty="0"/>
+          </a:p>
+          <a:p>
+            <a:r>
+              <a:rPr lang="en-US" dirty="0" smtClean="0"/>
+              <a:t>More event details</a:t>
+            </a:r>
+          </a:p>
+          <a:p>
+            <a:pPr lvl="1"/>
+            <a:r>
+              <a:rPr lang="en-US" dirty="0" smtClean="0"/>
+              <a:t>event </a:t>
+            </a:r>
+            <a:r>
+              <a:rPr lang="en-US" dirty="0"/>
+              <a:t>schedules (e g first start, banquet, price giving ceremony</a:t>
+            </a:r>
+            <a:r>
+              <a:rPr lang="en-US" dirty="0" smtClean="0"/>
+              <a:t>)</a:t>
+            </a:r>
+          </a:p>
+          <a:p>
+            <a:pPr lvl="1"/>
+            <a:r>
+              <a:rPr lang="en-US" dirty="0" smtClean="0"/>
+              <a:t> </a:t>
+            </a:r>
+            <a:r>
+              <a:rPr lang="en-US" dirty="0"/>
+              <a:t>information </a:t>
+            </a:r>
+            <a:endParaRPr lang="en-US" dirty="0" smtClean="0"/>
+          </a:p>
+          <a:p>
+            <a:pPr lvl="1"/>
+            <a:r>
+              <a:rPr lang="en-US" dirty="0" smtClean="0"/>
+              <a:t>news</a:t>
+            </a:r>
+          </a:p>
+          <a:p>
+            <a:r>
+              <a:rPr lang="en-US" dirty="0"/>
+              <a:t>Support for organisation hierarchy </a:t>
+            </a:r>
+            <a:r>
+              <a:rPr lang="en-US" dirty="0" smtClean="0"/>
+              <a:t>(IOF </a:t>
+            </a:r>
+            <a:r>
+              <a:rPr lang="en-US" dirty="0"/>
+              <a:t>&gt; international regional </a:t>
+            </a:r>
+            <a:r>
+              <a:rPr lang="en-US" dirty="0" smtClean="0"/>
+              <a:t>federations </a:t>
+            </a:r>
+            <a:r>
+              <a:rPr lang="en-US" dirty="0"/>
+              <a:t>&gt; national </a:t>
+            </a:r>
+            <a:r>
+              <a:rPr lang="en-US" dirty="0" smtClean="0"/>
+              <a:t>federations </a:t>
+            </a:r>
+            <a:r>
+              <a:rPr lang="en-US" dirty="0"/>
+              <a:t>&gt; national regional </a:t>
+            </a:r>
+            <a:r>
+              <a:rPr lang="en-US" dirty="0" smtClean="0"/>
+              <a:t>federations </a:t>
+            </a:r>
+            <a:r>
+              <a:rPr lang="en-US" dirty="0"/>
+              <a:t>&gt; </a:t>
+            </a:r>
+            <a:r>
+              <a:rPr lang="en-US" dirty="0" smtClean="0"/>
+              <a:t>clubs)</a:t>
+            </a:r>
+            <a:endParaRPr lang="sv-SE" dirty="0"/>
+          </a:p>
+        </p:txBody>
+      </p:sp>
+    </p:spTree>
+    <p:extLst>
+      <p:ext uri="{BB962C8B-B14F-4D97-AF65-F5344CB8AC3E}">
+        <p14:creationId xmlns:p14="http://schemas.microsoft.com/office/powerpoint/2010/main" val="1979393790"/>
       </p:ext>
     </p:extLst>
   </p:cSld>
